--- a/01_NetworkBasics_2025_2P.pptx
+++ b/01_NetworkBasics_2025_2P.pptx
@@ -29634,12 +29634,28 @@
               <a:t> (</a:t>
             </a:r>
             <a:r>
+              <a:rPr lang="en-US" sz="1200" err="1">
+                <a:solidFill>
+                  <a:schemeClr val="tx1"/>
+                </a:solidFill>
+              </a:rPr>
+              <a:t>marikotagawa</a:t>
+            </a:r>
+            <a:r>
+              <a:rPr lang="en-US" sz="1200">
+                <a:solidFill>
+                  <a:schemeClr val="tx1"/>
+                </a:solidFill>
+              </a:rPr>
+              <a:t>@gmail</a:t>
+            </a:r>
+            <a:r>
               <a:rPr lang="en-US" sz="1200" dirty="0" err="1">
                 <a:solidFill>
                   <a:schemeClr val="tx1"/>
                 </a:solidFill>
               </a:rPr>
-              <a:t>marikotagawa@mail.com</a:t>
+              <a:t>.com</a:t>
             </a:r>
             <a:r>
               <a:rPr lang="en-US" sz="1200" dirty="0">
